--- a/DynamoDB/AWS Dymanodb.pptx
+++ b/DynamoDB/AWS Dymanodb.pptx
@@ -23452,7 +23452,7 @@
           <a:p>
             <a:fld id="{62F0426D-1C55-4650-BE34-F82076ACAE67}" type="datetimeFigureOut">
               <a:rPr lang="en-US" smtClean="0"/>
-              <a:t>10/26/2022</a:t>
+              <a:t>11/12/2022</a:t>
             </a:fld>
             <a:endParaRPr lang="en-US"/>
           </a:p>
@@ -23650,7 +23650,7 @@
           <a:p>
             <a:fld id="{62F0426D-1C55-4650-BE34-F82076ACAE67}" type="datetimeFigureOut">
               <a:rPr lang="en-US" smtClean="0"/>
-              <a:t>10/26/2022</a:t>
+              <a:t>11/12/2022</a:t>
             </a:fld>
             <a:endParaRPr lang="en-US"/>
           </a:p>
@@ -23858,7 +23858,7 @@
           <a:p>
             <a:fld id="{62F0426D-1C55-4650-BE34-F82076ACAE67}" type="datetimeFigureOut">
               <a:rPr lang="en-US" smtClean="0"/>
-              <a:t>10/26/2022</a:t>
+              <a:t>11/12/2022</a:t>
             </a:fld>
             <a:endParaRPr lang="en-US"/>
           </a:p>
@@ -24056,7 +24056,7 @@
           <a:p>
             <a:fld id="{62F0426D-1C55-4650-BE34-F82076ACAE67}" type="datetimeFigureOut">
               <a:rPr lang="en-US" smtClean="0"/>
-              <a:t>10/26/2022</a:t>
+              <a:t>11/12/2022</a:t>
             </a:fld>
             <a:endParaRPr lang="en-US"/>
           </a:p>
@@ -24331,7 +24331,7 @@
           <a:p>
             <a:fld id="{62F0426D-1C55-4650-BE34-F82076ACAE67}" type="datetimeFigureOut">
               <a:rPr lang="en-US" smtClean="0"/>
-              <a:t>10/26/2022</a:t>
+              <a:t>11/12/2022</a:t>
             </a:fld>
             <a:endParaRPr lang="en-US"/>
           </a:p>
@@ -24596,7 +24596,7 @@
           <a:p>
             <a:fld id="{62F0426D-1C55-4650-BE34-F82076ACAE67}" type="datetimeFigureOut">
               <a:rPr lang="en-US" smtClean="0"/>
-              <a:t>10/26/2022</a:t>
+              <a:t>11/12/2022</a:t>
             </a:fld>
             <a:endParaRPr lang="en-US"/>
           </a:p>
@@ -25008,7 +25008,7 @@
           <a:p>
             <a:fld id="{62F0426D-1C55-4650-BE34-F82076ACAE67}" type="datetimeFigureOut">
               <a:rPr lang="en-US" smtClean="0"/>
-              <a:t>10/26/2022</a:t>
+              <a:t>11/12/2022</a:t>
             </a:fld>
             <a:endParaRPr lang="en-US"/>
           </a:p>
@@ -25149,7 +25149,7 @@
           <a:p>
             <a:fld id="{62F0426D-1C55-4650-BE34-F82076ACAE67}" type="datetimeFigureOut">
               <a:rPr lang="en-US" smtClean="0"/>
-              <a:t>10/26/2022</a:t>
+              <a:t>11/12/2022</a:t>
             </a:fld>
             <a:endParaRPr lang="en-US"/>
           </a:p>
@@ -25262,7 +25262,7 @@
           <a:p>
             <a:fld id="{62F0426D-1C55-4650-BE34-F82076ACAE67}" type="datetimeFigureOut">
               <a:rPr lang="en-US" smtClean="0"/>
-              <a:t>10/26/2022</a:t>
+              <a:t>11/12/2022</a:t>
             </a:fld>
             <a:endParaRPr lang="en-US"/>
           </a:p>
@@ -25573,7 +25573,7 @@
           <a:p>
             <a:fld id="{62F0426D-1C55-4650-BE34-F82076ACAE67}" type="datetimeFigureOut">
               <a:rPr lang="en-US" smtClean="0"/>
-              <a:t>10/26/2022</a:t>
+              <a:t>11/12/2022</a:t>
             </a:fld>
             <a:endParaRPr lang="en-US"/>
           </a:p>
@@ -25861,7 +25861,7 @@
           <a:p>
             <a:fld id="{62F0426D-1C55-4650-BE34-F82076ACAE67}" type="datetimeFigureOut">
               <a:rPr lang="en-US" smtClean="0"/>
-              <a:t>10/26/2022</a:t>
+              <a:t>11/12/2022</a:t>
             </a:fld>
             <a:endParaRPr lang="en-US"/>
           </a:p>
@@ -26102,7 +26102,7 @@
           <a:p>
             <a:fld id="{62F0426D-1C55-4650-BE34-F82076ACAE67}" type="datetimeFigureOut">
               <a:rPr lang="en-US" smtClean="0"/>
-              <a:t>10/26/2022</a:t>
+              <a:t>11/12/2022</a:t>
             </a:fld>
             <a:endParaRPr lang="en-US"/>
           </a:p>
@@ -26962,7 +26962,7 @@
         </p:spPr>
         <p:txBody>
           <a:bodyPr anchor="t">
-            <a:normAutofit/>
+            <a:normAutofit fontScale="90000"/>
           </a:bodyPr>
           <a:lstStyle/>
           <a:p>
@@ -26975,9 +26975,82 @@
               </a:rPr>
               <a:t>AWS DynamoDB</a:t>
             </a:r>
+            <a:br>
+              <a:rPr lang="en-US" sz="4000" dirty="0">
+                <a:solidFill>
+                  <a:srgbClr val="FFFFFF"/>
+                </a:solidFill>
+              </a:rPr>
+            </a:br>
+            <a:br>
+              <a:rPr lang="en-US" sz="4000" dirty="0">
+                <a:solidFill>
+                  <a:srgbClr val="FFFFFF"/>
+                </a:solidFill>
+              </a:rPr>
+            </a:br>
+            <a:r>
+              <a:rPr lang="en-US" sz="1600" dirty="0">
+                <a:solidFill>
+                  <a:srgbClr val="FFFFFF"/>
+                </a:solidFill>
+              </a:rPr>
+              <a:t>Kole Vasilevski, </a:t>
+            </a:r>
+            <a:br>
+              <a:rPr lang="en-US" sz="1600" dirty="0">
+                <a:solidFill>
+                  <a:srgbClr val="FFFFFF"/>
+                </a:solidFill>
+              </a:rPr>
+            </a:br>
+            <a:r>
+              <a:rPr lang="en-US" sz="1600" dirty="0">
+                <a:solidFill>
+                  <a:srgbClr val="FFFFFF"/>
+                </a:solidFill>
+              </a:rPr>
+              <a:t>Principal Software Engineer</a:t>
+            </a:r>
           </a:p>
         </p:txBody>
       </p:sp>
+      <p:pic>
+        <p:nvPicPr>
+          <p:cNvPr id="9" name="Picture 8" descr="Text, logo&#10;&#10;Description automatically generated">
+            <a:extLst>
+              <a:ext uri="{FF2B5EF4-FFF2-40B4-BE49-F238E27FC236}">
+                <a16:creationId xmlns:a16="http://schemas.microsoft.com/office/drawing/2014/main" id="{42FF6CAA-7F53-4C32-A538-7732D68196BC}"/>
+              </a:ext>
+            </a:extLst>
+          </p:cNvPr>
+          <p:cNvPicPr>
+            <a:picLocks noChangeAspect="1"/>
+          </p:cNvPicPr>
+          <p:nvPr/>
+        </p:nvPicPr>
+        <p:blipFill>
+          <a:blip r:embed="rId3">
+            <a:extLst>
+              <a:ext uri="{28A0092B-C50C-407E-A947-70E740481C1C}">
+                <a14:useLocalDpi xmlns:a14="http://schemas.microsoft.com/office/drawing/2010/main" val="0"/>
+              </a:ext>
+            </a:extLst>
+          </a:blip>
+          <a:stretch>
+            <a:fillRect/>
+          </a:stretch>
+        </p:blipFill>
+        <p:spPr>
+          <a:xfrm>
+            <a:off x="653849" y="391319"/>
+            <a:ext cx="1430983" cy="624152"/>
+          </a:xfrm>
+          <a:prstGeom prst="rect">
+            <a:avLst/>
+          </a:prstGeom>
+        </p:spPr>
+      </p:pic>
     </p:spTree>
     <p:extLst>
       <p:ext uri="{BB962C8B-B14F-4D97-AF65-F5344CB8AC3E}">
